--- a/Android Service.pptx
+++ b/Android Service.pptx
@@ -6,13 +6,13 @@
   </p:sldMasterIdLst>
   <p:sldIdLst>
     <p:sldId id="256" r:id="rId2"/>
-    <p:sldId id="257" r:id="rId3"/>
-    <p:sldId id="258" r:id="rId4"/>
-    <p:sldId id="259" r:id="rId5"/>
-    <p:sldId id="260" r:id="rId6"/>
-    <p:sldId id="261" r:id="rId7"/>
-    <p:sldId id="262" r:id="rId8"/>
-    <p:sldId id="263" r:id="rId9"/>
+    <p:sldId id="258" r:id="rId3"/>
+    <p:sldId id="259" r:id="rId4"/>
+    <p:sldId id="260" r:id="rId5"/>
+    <p:sldId id="261" r:id="rId6"/>
+    <p:sldId id="262" r:id="rId7"/>
+    <p:sldId id="263" r:id="rId8"/>
+    <p:sldId id="264" r:id="rId9"/>
   </p:sldIdLst>
   <p:sldSz cx="12192000" cy="6858000"/>
   <p:notesSz cx="6858000" cy="9144000"/>
@@ -111,6 +111,11 @@
       </a:defRPr>
     </a:lvl9pPr>
   </p:defaultTextStyle>
+  <p:extLst>
+    <p:ext uri="{EFAFB233-063F-42B5-8137-9DF3F51BA10A}">
+      <p15:sldGuideLst xmlns:p15="http://schemas.microsoft.com/office/powerpoint/2012/main"/>
+    </p:ext>
+  </p:extLst>
 </p:presentation>
 </file>
 
@@ -261,7 +266,7 @@
           <a:p>
             <a:fld id="{8EE97C22-B342-4D4C-9F68-5F7D6280098A}" type="datetimeFigureOut">
               <a:rPr lang="zh-CN" altLang="en-US" smtClean="0"/>
-              <a:t>2020/11/17</a:t>
+              <a:t>2020/12/6</a:t>
             </a:fld>
             <a:endParaRPr lang="zh-CN" altLang="en-US"/>
           </a:p>
@@ -459,7 +464,7 @@
           <a:p>
             <a:fld id="{8EE97C22-B342-4D4C-9F68-5F7D6280098A}" type="datetimeFigureOut">
               <a:rPr lang="zh-CN" altLang="en-US" smtClean="0"/>
-              <a:t>2020/11/17</a:t>
+              <a:t>2020/12/6</a:t>
             </a:fld>
             <a:endParaRPr lang="zh-CN" altLang="en-US"/>
           </a:p>
@@ -667,7 +672,7 @@
           <a:p>
             <a:fld id="{8EE97C22-B342-4D4C-9F68-5F7D6280098A}" type="datetimeFigureOut">
               <a:rPr lang="zh-CN" altLang="en-US" smtClean="0"/>
-              <a:t>2020/11/17</a:t>
+              <a:t>2020/12/6</a:t>
             </a:fld>
             <a:endParaRPr lang="zh-CN" altLang="en-US"/>
           </a:p>
@@ -865,7 +870,7 @@
           <a:p>
             <a:fld id="{8EE97C22-B342-4D4C-9F68-5F7D6280098A}" type="datetimeFigureOut">
               <a:rPr lang="zh-CN" altLang="en-US" smtClean="0"/>
-              <a:t>2020/11/17</a:t>
+              <a:t>2020/12/6</a:t>
             </a:fld>
             <a:endParaRPr lang="zh-CN" altLang="en-US"/>
           </a:p>
@@ -1140,7 +1145,7 @@
           <a:p>
             <a:fld id="{8EE97C22-B342-4D4C-9F68-5F7D6280098A}" type="datetimeFigureOut">
               <a:rPr lang="zh-CN" altLang="en-US" smtClean="0"/>
-              <a:t>2020/11/17</a:t>
+              <a:t>2020/12/6</a:t>
             </a:fld>
             <a:endParaRPr lang="zh-CN" altLang="en-US"/>
           </a:p>
@@ -1405,7 +1410,7 @@
           <a:p>
             <a:fld id="{8EE97C22-B342-4D4C-9F68-5F7D6280098A}" type="datetimeFigureOut">
               <a:rPr lang="zh-CN" altLang="en-US" smtClean="0"/>
-              <a:t>2020/11/17</a:t>
+              <a:t>2020/12/6</a:t>
             </a:fld>
             <a:endParaRPr lang="zh-CN" altLang="en-US"/>
           </a:p>
@@ -1817,7 +1822,7 @@
           <a:p>
             <a:fld id="{8EE97C22-B342-4D4C-9F68-5F7D6280098A}" type="datetimeFigureOut">
               <a:rPr lang="zh-CN" altLang="en-US" smtClean="0"/>
-              <a:t>2020/11/17</a:t>
+              <a:t>2020/12/6</a:t>
             </a:fld>
             <a:endParaRPr lang="zh-CN" altLang="en-US"/>
           </a:p>
@@ -1958,7 +1963,7 @@
           <a:p>
             <a:fld id="{8EE97C22-B342-4D4C-9F68-5F7D6280098A}" type="datetimeFigureOut">
               <a:rPr lang="zh-CN" altLang="en-US" smtClean="0"/>
-              <a:t>2020/11/17</a:t>
+              <a:t>2020/12/6</a:t>
             </a:fld>
             <a:endParaRPr lang="zh-CN" altLang="en-US"/>
           </a:p>
@@ -2071,7 +2076,7 @@
           <a:p>
             <a:fld id="{8EE97C22-B342-4D4C-9F68-5F7D6280098A}" type="datetimeFigureOut">
               <a:rPr lang="zh-CN" altLang="en-US" smtClean="0"/>
-              <a:t>2020/11/17</a:t>
+              <a:t>2020/12/6</a:t>
             </a:fld>
             <a:endParaRPr lang="zh-CN" altLang="en-US"/>
           </a:p>
@@ -2382,7 +2387,7 @@
           <a:p>
             <a:fld id="{8EE97C22-B342-4D4C-9F68-5F7D6280098A}" type="datetimeFigureOut">
               <a:rPr lang="zh-CN" altLang="en-US" smtClean="0"/>
-              <a:t>2020/11/17</a:t>
+              <a:t>2020/12/6</a:t>
             </a:fld>
             <a:endParaRPr lang="zh-CN" altLang="en-US"/>
           </a:p>
@@ -2670,7 +2675,7 @@
           <a:p>
             <a:fld id="{8EE97C22-B342-4D4C-9F68-5F7D6280098A}" type="datetimeFigureOut">
               <a:rPr lang="zh-CN" altLang="en-US" smtClean="0"/>
-              <a:t>2020/11/17</a:t>
+              <a:t>2020/12/6</a:t>
             </a:fld>
             <a:endParaRPr lang="zh-CN" altLang="en-US"/>
           </a:p>
@@ -2911,7 +2916,7 @@
           <a:p>
             <a:fld id="{8EE97C22-B342-4D4C-9F68-5F7D6280098A}" type="datetimeFigureOut">
               <a:rPr lang="zh-CN" altLang="en-US" smtClean="0"/>
-              <a:t>2020/11/17</a:t>
+              <a:t>2020/12/6</a:t>
             </a:fld>
             <a:endParaRPr lang="zh-CN" altLang="en-US"/>
           </a:p>
@@ -3417,7 +3422,7 @@
           <p:cNvPr id="2" name="标题 1">
             <a:extLst>
               <a:ext uri="{FF2B5EF4-FFF2-40B4-BE49-F238E27FC236}">
-                <a16:creationId xmlns:a16="http://schemas.microsoft.com/office/drawing/2014/main" id="{275DE3A9-5AFD-427D-9A1B-7BCDD6F2B62F}"/>
+                <a16:creationId xmlns:a16="http://schemas.microsoft.com/office/drawing/2014/main" id="{8F34F8B9-07FF-48D2-988C-198DFFFF337A}"/>
               </a:ext>
             </a:extLst>
           </p:cNvPr>
@@ -3433,7 +3438,10 @@
           <a:bodyPr/>
           <a:lstStyle/>
           <a:p>
-            <a:endParaRPr lang="zh-CN" altLang="en-US"/>
+            <a:r>
+              <a:rPr lang="zh-CN" altLang="en-US" dirty="0"/>
+              <a:t>目录</a:t>
+            </a:r>
           </a:p>
         </p:txBody>
       </p:sp>
@@ -3442,7 +3450,7 @@
           <p:cNvPr id="3" name="内容占位符 2">
             <a:extLst>
               <a:ext uri="{FF2B5EF4-FFF2-40B4-BE49-F238E27FC236}">
-                <a16:creationId xmlns:a16="http://schemas.microsoft.com/office/drawing/2014/main" id="{2366B84F-11B2-4D25-B94E-156E898ADED4}"/>
+                <a16:creationId xmlns:a16="http://schemas.microsoft.com/office/drawing/2014/main" id="{5DC31CE2-C361-4EFA-8BC1-5FE164C896AC}"/>
               </a:ext>
             </a:extLst>
           </p:cNvPr>
@@ -3458,14 +3466,51 @@
           <a:bodyPr/>
           <a:lstStyle/>
           <a:p>
-            <a:endParaRPr lang="zh-CN" altLang="en-US"/>
+            <a:r>
+              <a:rPr lang="zh-CN" altLang="en-US" b="1" i="0" dirty="0">
+                <a:effectLst/>
+                <a:latin typeface="Roboto"/>
+              </a:rPr>
+              <a:t>服务概览</a:t>
+            </a:r>
+          </a:p>
+          <a:p>
+            <a:r>
+              <a:rPr lang="zh-CN" altLang="en-US" b="0" i="0" dirty="0">
+                <a:solidFill>
+                  <a:srgbClr val="202124"/>
+                </a:solidFill>
+                <a:effectLst/>
+                <a:latin typeface="Roboto"/>
+              </a:rPr>
+              <a:t>服务类型</a:t>
+            </a:r>
+            <a:endParaRPr lang="en-US" altLang="zh-CN" b="0" i="0" dirty="0">
+              <a:solidFill>
+                <a:srgbClr val="202124"/>
+              </a:solidFill>
+              <a:effectLst/>
+              <a:latin typeface="Roboto"/>
+            </a:endParaRPr>
+          </a:p>
+          <a:p>
+            <a:r>
+              <a:rPr lang="zh-CN" altLang="en-US" dirty="0">
+                <a:solidFill>
+                  <a:srgbClr val="202124"/>
+                </a:solidFill>
+                <a:latin typeface="Roboto"/>
+              </a:rPr>
+              <a:t>使用服务</a:t>
+            </a:r>
+            <a:endParaRPr lang="zh-CN" altLang="en-US" dirty="0"/>
           </a:p>
         </p:txBody>
       </p:sp>
     </p:spTree>
     <p:extLst>
       <p:ext uri="{BB962C8B-B14F-4D97-AF65-F5344CB8AC3E}">
-        <p14:creationId xmlns:p14="http://schemas.microsoft.com/office/powerpoint/2010/main" val="3343057412"/>
+        <p14:creationId xmlns:p14="http://schemas.microsoft.com/office/powerpoint/2010/main" val="140497680"/>
       </p:ext>
     </p:extLst>
   </p:cSld>
@@ -3497,7 +3542,7 @@
           <p:cNvPr id="2" name="标题 1">
             <a:extLst>
               <a:ext uri="{FF2B5EF4-FFF2-40B4-BE49-F238E27FC236}">
-                <a16:creationId xmlns:a16="http://schemas.microsoft.com/office/drawing/2014/main" id="{8F34F8B9-07FF-48D2-988C-198DFFFF337A}"/>
+                <a16:creationId xmlns:a16="http://schemas.microsoft.com/office/drawing/2014/main" id="{6A9301A5-682C-4B70-BD82-C4C569AB27C1}"/>
               </a:ext>
             </a:extLst>
           </p:cNvPr>
@@ -3513,7 +3558,14 @@
           <a:bodyPr/>
           <a:lstStyle/>
           <a:p>
-            <a:endParaRPr lang="zh-CN" altLang="en-US"/>
+            <a:r>
+              <a:rPr lang="en-US" altLang="zh-CN" dirty="0"/>
+              <a:t>Service</a:t>
+            </a:r>
+            <a:r>
+              <a:rPr lang="zh-CN" altLang="en-US" dirty="0"/>
+              <a:t>概念</a:t>
+            </a:r>
           </a:p>
         </p:txBody>
       </p:sp>
@@ -3522,7 +3574,7 @@
           <p:cNvPr id="3" name="内容占位符 2">
             <a:extLst>
               <a:ext uri="{FF2B5EF4-FFF2-40B4-BE49-F238E27FC236}">
-                <a16:creationId xmlns:a16="http://schemas.microsoft.com/office/drawing/2014/main" id="{5DC31CE2-C361-4EFA-8BC1-5FE164C896AC}"/>
+                <a16:creationId xmlns:a16="http://schemas.microsoft.com/office/drawing/2014/main" id="{86D62D56-7361-4A9D-A712-2AC3F5C44AFE}"/>
               </a:ext>
             </a:extLst>
           </p:cNvPr>
@@ -3538,14 +3590,36 @@
           <a:bodyPr/>
           <a:lstStyle/>
           <a:p>
-            <a:endParaRPr lang="zh-CN" altLang="en-US"/>
+            <a:r>
+              <a:rPr lang="en-US" altLang="zh-CN" dirty="0"/>
+              <a:t>Service </a:t>
+            </a:r>
+            <a:r>
+              <a:rPr lang="zh-CN" altLang="en-US" dirty="0"/>
+              <a:t>是一种可在后台执行长时间运行操作而不提供界面的应用组件。</a:t>
+            </a:r>
+            <a:endParaRPr lang="en-US" altLang="zh-CN" dirty="0"/>
+          </a:p>
+          <a:p>
+            <a:r>
+              <a:rPr lang="zh-CN" altLang="en-US" dirty="0"/>
+              <a:t>对比</a:t>
+            </a:r>
+            <a:r>
+              <a:rPr lang="en-US" altLang="zh-CN" dirty="0"/>
+              <a:t>activity</a:t>
+            </a:r>
+            <a:r>
+              <a:rPr lang="zh-CN" altLang="en-US" dirty="0"/>
+              <a:t>，主要特点是？</a:t>
+            </a:r>
           </a:p>
         </p:txBody>
       </p:sp>
     </p:spTree>
     <p:extLst>
       <p:ext uri="{BB962C8B-B14F-4D97-AF65-F5344CB8AC3E}">
-        <p14:creationId xmlns:p14="http://schemas.microsoft.com/office/powerpoint/2010/main" val="140497680"/>
+        <p14:creationId xmlns:p14="http://schemas.microsoft.com/office/powerpoint/2010/main" val="1246130155"/>
       </p:ext>
     </p:extLst>
   </p:cSld>
@@ -3577,7 +3651,7 @@
           <p:cNvPr id="2" name="标题 1">
             <a:extLst>
               <a:ext uri="{FF2B5EF4-FFF2-40B4-BE49-F238E27FC236}">
-                <a16:creationId xmlns:a16="http://schemas.microsoft.com/office/drawing/2014/main" id="{6A9301A5-682C-4B70-BD82-C4C569AB27C1}"/>
+                <a16:creationId xmlns:a16="http://schemas.microsoft.com/office/drawing/2014/main" id="{CABA1DB7-7041-4089-A3F4-5505FB9D697E}"/>
               </a:ext>
             </a:extLst>
           </p:cNvPr>
@@ -3593,7 +3667,14 @@
           <a:bodyPr/>
           <a:lstStyle/>
           <a:p>
-            <a:endParaRPr lang="zh-CN" altLang="en-US"/>
+            <a:r>
+              <a:rPr lang="en-US" altLang="zh-CN" dirty="0"/>
+              <a:t>Service</a:t>
+            </a:r>
+            <a:r>
+              <a:rPr lang="zh-CN" altLang="en-US" dirty="0"/>
+              <a:t>类型</a:t>
+            </a:r>
           </a:p>
         </p:txBody>
       </p:sp>
@@ -3602,7 +3683,7 @@
           <p:cNvPr id="3" name="内容占位符 2">
             <a:extLst>
               <a:ext uri="{FF2B5EF4-FFF2-40B4-BE49-F238E27FC236}">
-                <a16:creationId xmlns:a16="http://schemas.microsoft.com/office/drawing/2014/main" id="{86D62D56-7361-4A9D-A712-2AC3F5C44AFE}"/>
+                <a16:creationId xmlns:a16="http://schemas.microsoft.com/office/drawing/2014/main" id="{56410768-C1DA-4BBB-A545-437289707A11}"/>
               </a:ext>
             </a:extLst>
           </p:cNvPr>
@@ -3615,17 +3696,29 @@
         </p:nvSpPr>
         <p:spPr/>
         <p:txBody>
-          <a:bodyPr/>
-          <a:lstStyle/>
-          <a:p>
-            <a:endParaRPr lang="zh-CN" altLang="en-US"/>
+          <a:bodyPr>
+            <a:normAutofit/>
+          </a:bodyPr>
+          <a:lstStyle/>
+          <a:p>
+            <a:r>
+              <a:rPr lang="zh-CN" altLang="en-US" sz="3600" dirty="0"/>
+              <a:t>前台</a:t>
+            </a:r>
+          </a:p>
+          <a:p>
+            <a:pPr lvl="1"/>
+            <a:r>
+              <a:rPr lang="zh-CN" altLang="en-US" sz="3200" dirty="0"/>
+              <a:t>前台服务执行一些用户能注意到的操作。例如，音频应用会使用前台服务来播放音频曲目。前台服务必须显示通知。即使用户停止与应用的交互，前台服务仍会继续运行。</a:t>
+            </a:r>
           </a:p>
         </p:txBody>
       </p:sp>
     </p:spTree>
     <p:extLst>
       <p:ext uri="{BB962C8B-B14F-4D97-AF65-F5344CB8AC3E}">
-        <p14:creationId xmlns:p14="http://schemas.microsoft.com/office/powerpoint/2010/main" val="1246130155"/>
+        <p14:creationId xmlns:p14="http://schemas.microsoft.com/office/powerpoint/2010/main" val="2571495299"/>
       </p:ext>
     </p:extLst>
   </p:cSld>
@@ -3654,35 +3747,10 @@
       </p:grpSpPr>
       <p:sp>
         <p:nvSpPr>
-          <p:cNvPr id="2" name="标题 1">
-            <a:extLst>
-              <a:ext uri="{FF2B5EF4-FFF2-40B4-BE49-F238E27FC236}">
-                <a16:creationId xmlns:a16="http://schemas.microsoft.com/office/drawing/2014/main" id="{CABA1DB7-7041-4089-A3F4-5505FB9D697E}"/>
-              </a:ext>
-            </a:extLst>
-          </p:cNvPr>
-          <p:cNvSpPr>
-            <a:spLocks noGrp="1"/>
-          </p:cNvSpPr>
-          <p:nvPr>
-            <p:ph type="title"/>
-          </p:nvPr>
-        </p:nvSpPr>
-        <p:spPr/>
-        <p:txBody>
-          <a:bodyPr/>
-          <a:lstStyle/>
-          <a:p>
-            <a:endParaRPr lang="zh-CN" altLang="en-US"/>
-          </a:p>
-        </p:txBody>
-      </p:sp>
-      <p:sp>
-        <p:nvSpPr>
           <p:cNvPr id="3" name="内容占位符 2">
             <a:extLst>
               <a:ext uri="{FF2B5EF4-FFF2-40B4-BE49-F238E27FC236}">
-                <a16:creationId xmlns:a16="http://schemas.microsoft.com/office/drawing/2014/main" id="{56410768-C1DA-4BBB-A545-437289707A11}"/>
+                <a16:creationId xmlns:a16="http://schemas.microsoft.com/office/drawing/2014/main" id="{EE8CE683-47D1-475D-AA28-78B8ECDE194C}"/>
               </a:ext>
             </a:extLst>
           </p:cNvPr>
@@ -3693,19 +3761,80 @@
             <p:ph idx="1"/>
           </p:nvPr>
         </p:nvSpPr>
-        <p:spPr/>
-        <p:txBody>
-          <a:bodyPr/>
-          <a:lstStyle/>
-          <a:p>
-            <a:endParaRPr lang="zh-CN" altLang="en-US"/>
+        <p:spPr>
+          <a:xfrm>
+            <a:off x="838200" y="513347"/>
+            <a:ext cx="10515600" cy="6079958"/>
+          </a:xfrm>
+        </p:spPr>
+        <p:txBody>
+          <a:bodyPr>
+            <a:normAutofit lnSpcReduction="10000"/>
+          </a:bodyPr>
+          <a:lstStyle/>
+          <a:p>
+            <a:r>
+              <a:rPr lang="zh-CN" altLang="en-US" sz="3600" dirty="0"/>
+              <a:t>后台</a:t>
+            </a:r>
+          </a:p>
+          <a:p>
+            <a:pPr lvl="1"/>
+            <a:r>
+              <a:rPr lang="zh-CN" altLang="en-US" sz="3200" dirty="0"/>
+              <a:t>后台服务执行用户不会直接注意到的操作。例如，如果应用使用某个服务来压缩其存储空间，则此服务通常是后台服务。</a:t>
+            </a:r>
+          </a:p>
+          <a:p>
+            <a:endParaRPr lang="zh-CN" altLang="en-US" sz="3600" dirty="0"/>
+          </a:p>
+          <a:p>
+            <a:r>
+              <a:rPr lang="zh-CN" altLang="en-US" sz="3600" dirty="0"/>
+              <a:t>绑定</a:t>
+            </a:r>
+          </a:p>
+          <a:p>
+            <a:pPr lvl="1"/>
+            <a:r>
+              <a:rPr lang="zh-CN" altLang="en-US" sz="3200" dirty="0"/>
+              <a:t>当应用组件通过调用 </a:t>
+            </a:r>
+            <a:r>
+              <a:rPr lang="en-US" altLang="zh-CN" sz="3200" dirty="0" err="1"/>
+              <a:t>bindService</a:t>
+            </a:r>
+            <a:r>
+              <a:rPr lang="en-US" altLang="zh-CN" sz="3200" dirty="0"/>
+              <a:t>() </a:t>
+            </a:r>
+            <a:r>
+              <a:rPr lang="zh-CN" altLang="en-US" sz="3200" dirty="0"/>
+              <a:t>绑定到服务时，服务即处于绑定状态。绑定服务会提供客户端</a:t>
+            </a:r>
+            <a:r>
+              <a:rPr lang="en-US" altLang="zh-CN" sz="3200" dirty="0"/>
+              <a:t>-</a:t>
+            </a:r>
+            <a:r>
+              <a:rPr lang="zh-CN" altLang="en-US" sz="3200" dirty="0"/>
+              <a:t>服务器接口，以便组件与服务进行交互、发送请求、接收结果，甚至是利用进程间通信 </a:t>
+            </a:r>
+            <a:r>
+              <a:rPr lang="en-US" altLang="zh-CN" sz="3200" dirty="0"/>
+              <a:t>(IPC) </a:t>
+            </a:r>
+            <a:r>
+              <a:rPr lang="zh-CN" altLang="en-US" sz="3200" dirty="0"/>
+              <a:t>跨进程执行这些操作。仅当与另一个应用组件绑定时，绑定服务才会运行。多个组件可同时绑定到该服务，但全部取消绑定后，该服务即会被销毁。</a:t>
+            </a:r>
           </a:p>
         </p:txBody>
       </p:sp>
     </p:spTree>
     <p:extLst>
       <p:ext uri="{BB962C8B-B14F-4D97-AF65-F5344CB8AC3E}">
-        <p14:creationId xmlns:p14="http://schemas.microsoft.com/office/powerpoint/2010/main" val="2571495299"/>
+        <p14:creationId xmlns:p14="http://schemas.microsoft.com/office/powerpoint/2010/main" val="90211071"/>
       </p:ext>
     </p:extLst>
   </p:cSld>
@@ -3737,7 +3866,7 @@
           <p:cNvPr id="2" name="标题 1">
             <a:extLst>
               <a:ext uri="{FF2B5EF4-FFF2-40B4-BE49-F238E27FC236}">
-                <a16:creationId xmlns:a16="http://schemas.microsoft.com/office/drawing/2014/main" id="{AFACA689-F101-4A8E-86F8-72AFED82F6CA}"/>
+                <a16:creationId xmlns:a16="http://schemas.microsoft.com/office/drawing/2014/main" id="{6EE781FC-7045-4A06-A070-BCCA0C5ABB6D}"/>
               </a:ext>
             </a:extLst>
           </p:cNvPr>
@@ -3753,7 +3882,15 @@
           <a:bodyPr/>
           <a:lstStyle/>
           <a:p>
-            <a:endParaRPr lang="zh-CN" altLang="en-US"/>
+            <a:r>
+              <a:rPr lang="zh-CN" altLang="en-US" dirty="0"/>
+              <a:t>使用</a:t>
+            </a:r>
+            <a:r>
+              <a:rPr lang="en-US" altLang="zh-CN" dirty="0"/>
+              <a:t>service</a:t>
+            </a:r>
+            <a:endParaRPr lang="zh-CN" altLang="en-US" dirty="0"/>
           </a:p>
         </p:txBody>
       </p:sp>
@@ -3762,7 +3899,7 @@
           <p:cNvPr id="3" name="内容占位符 2">
             <a:extLst>
               <a:ext uri="{FF2B5EF4-FFF2-40B4-BE49-F238E27FC236}">
-                <a16:creationId xmlns:a16="http://schemas.microsoft.com/office/drawing/2014/main" id="{EE8CE683-47D1-475D-AA28-78B8ECDE194C}"/>
+                <a16:creationId xmlns:a16="http://schemas.microsoft.com/office/drawing/2014/main" id="{1DF6AB05-3971-4176-AF5F-3863C5DECE28}"/>
               </a:ext>
             </a:extLst>
           </p:cNvPr>
@@ -3775,17 +3912,82 @@
         </p:nvSpPr>
         <p:spPr/>
         <p:txBody>
-          <a:bodyPr/>
-          <a:lstStyle/>
-          <a:p>
-            <a:endParaRPr lang="zh-CN" altLang="en-US"/>
+          <a:bodyPr>
+            <a:normAutofit fontScale="92500" lnSpcReduction="10000"/>
+          </a:bodyPr>
+          <a:lstStyle/>
+          <a:p>
+            <a:r>
+              <a:rPr lang="zh-CN" altLang="en-US" sz="3600" dirty="0"/>
+              <a:t>使用服务的两种方式：启动服务和绑定服务</a:t>
+            </a:r>
+            <a:r>
+              <a:rPr lang="en-US" altLang="zh-CN" sz="3600" dirty="0"/>
+              <a:t>		</a:t>
+            </a:r>
+          </a:p>
+          <a:p>
+            <a:pPr lvl="1"/>
+            <a:r>
+              <a:rPr lang="zh-CN" altLang="en-US" sz="3200" dirty="0"/>
+              <a:t>服务可同时以这两种方式运行，换言之，它既可以是启动服务（以无限期运行），亦支持绑定。唯一的问题在于您是否实现一组回调方法：</a:t>
+            </a:r>
+            <a:r>
+              <a:rPr lang="en-US" altLang="zh-CN" sz="3200" dirty="0" err="1"/>
+              <a:t>onStartCommand</a:t>
+            </a:r>
+            <a:r>
+              <a:rPr lang="en-US" altLang="zh-CN" sz="3200" dirty="0"/>
+              <a:t>()</a:t>
+            </a:r>
+            <a:r>
+              <a:rPr lang="zh-CN" altLang="en-US" sz="3200" dirty="0"/>
+              <a:t>（让组件启动服务）和 </a:t>
+            </a:r>
+            <a:r>
+              <a:rPr lang="en-US" altLang="zh-CN" sz="3200" dirty="0" err="1"/>
+              <a:t>onBind</a:t>
+            </a:r>
+            <a:r>
+              <a:rPr lang="en-US" altLang="zh-CN" sz="3200" dirty="0"/>
+              <a:t>()</a:t>
+            </a:r>
+            <a:r>
+              <a:rPr lang="zh-CN" altLang="en-US" sz="3200" dirty="0"/>
+              <a:t>（实现服务绑定）。</a:t>
+            </a:r>
+          </a:p>
+          <a:p>
+            <a:endParaRPr lang="zh-CN" altLang="en-US" sz="3600" dirty="0"/>
+          </a:p>
+          <a:p>
+            <a:r>
+              <a:rPr lang="zh-CN" altLang="en-US" sz="3600" dirty="0"/>
+              <a:t>无论服务是处于启动状态还是绑定状态（或同时处于这两种状态），任何应用组件均可像使用 </a:t>
+            </a:r>
+            <a:r>
+              <a:rPr lang="en-US" altLang="zh-CN" sz="3600" dirty="0"/>
+              <a:t>Activity </a:t>
+            </a:r>
+            <a:r>
+              <a:rPr lang="zh-CN" altLang="en-US" sz="3600" dirty="0"/>
+              <a:t>那样，通过调用 </a:t>
+            </a:r>
+            <a:r>
+              <a:rPr lang="en-US" altLang="zh-CN" sz="3600" dirty="0"/>
+              <a:t>Intent </a:t>
+            </a:r>
+            <a:r>
+              <a:rPr lang="zh-CN" altLang="en-US" sz="3600" dirty="0"/>
+              <a:t>来使用服务（即使此服务来自另一应用）。</a:t>
+            </a:r>
           </a:p>
         </p:txBody>
       </p:sp>
     </p:spTree>
     <p:extLst>
       <p:ext uri="{BB962C8B-B14F-4D97-AF65-F5344CB8AC3E}">
-        <p14:creationId xmlns:p14="http://schemas.microsoft.com/office/powerpoint/2010/main" val="90211071"/>
+        <p14:creationId xmlns:p14="http://schemas.microsoft.com/office/powerpoint/2010/main" val="2317282937"/>
       </p:ext>
     </p:extLst>
   </p:cSld>
@@ -3817,7 +4019,7 @@
           <p:cNvPr id="2" name="标题 1">
             <a:extLst>
               <a:ext uri="{FF2B5EF4-FFF2-40B4-BE49-F238E27FC236}">
-                <a16:creationId xmlns:a16="http://schemas.microsoft.com/office/drawing/2014/main" id="{6EE781FC-7045-4A06-A070-BCCA0C5ABB6D}"/>
+                <a16:creationId xmlns:a16="http://schemas.microsoft.com/office/drawing/2014/main" id="{F9A6BA0F-8172-4259-A9EE-5258436B2062}"/>
               </a:ext>
             </a:extLst>
           </p:cNvPr>
@@ -3833,7 +4035,46 @@
           <a:bodyPr/>
           <a:lstStyle/>
           <a:p>
-            <a:endParaRPr lang="zh-CN" altLang="en-US"/>
+            <a:r>
+              <a:rPr lang="zh-CN" altLang="en-US" b="1" i="0" dirty="0">
+                <a:solidFill>
+                  <a:srgbClr val="202124"/>
+                </a:solidFill>
+                <a:effectLst/>
+                <a:latin typeface="Roboto"/>
+              </a:rPr>
+              <a:t>服务</a:t>
+            </a:r>
+            <a:r>
+              <a:rPr lang="en-US" altLang="zh-CN" b="1" i="0" dirty="0">
+                <a:solidFill>
+                  <a:srgbClr val="202124"/>
+                </a:solidFill>
+                <a:effectLst/>
+                <a:latin typeface="Roboto"/>
+              </a:rPr>
+              <a:t>VS</a:t>
+            </a:r>
+            <a:r>
+              <a:rPr lang="zh-CN" altLang="en-US" b="1" i="0" dirty="0">
+                <a:solidFill>
+                  <a:srgbClr val="202124"/>
+                </a:solidFill>
+                <a:effectLst/>
+                <a:latin typeface="Roboto"/>
+              </a:rPr>
+              <a:t>线程</a:t>
+            </a:r>
+            <a:br>
+              <a:rPr lang="zh-CN" altLang="en-US" b="1" i="0" dirty="0">
+                <a:solidFill>
+                  <a:srgbClr val="202124"/>
+                </a:solidFill>
+                <a:effectLst/>
+                <a:latin typeface="Roboto"/>
+              </a:rPr>
+            </a:br>
+            <a:endParaRPr lang="zh-CN" altLang="en-US" dirty="0"/>
           </a:p>
         </p:txBody>
       </p:sp>
@@ -3842,7 +4083,7 @@
           <p:cNvPr id="3" name="内容占位符 2">
             <a:extLst>
               <a:ext uri="{FF2B5EF4-FFF2-40B4-BE49-F238E27FC236}">
-                <a16:creationId xmlns:a16="http://schemas.microsoft.com/office/drawing/2014/main" id="{1DF6AB05-3971-4176-AF5F-3863C5DECE28}"/>
+                <a16:creationId xmlns:a16="http://schemas.microsoft.com/office/drawing/2014/main" id="{6762942F-BD68-47C5-9E1A-A67FFD347D6B}"/>
               </a:ext>
             </a:extLst>
           </p:cNvPr>
@@ -3855,17 +4096,94 @@
         </p:nvSpPr>
         <p:spPr/>
         <p:txBody>
-          <a:bodyPr/>
-          <a:lstStyle/>
-          <a:p>
-            <a:endParaRPr lang="zh-CN" altLang="en-US"/>
+          <a:bodyPr>
+            <a:normAutofit/>
+          </a:bodyPr>
+          <a:lstStyle/>
+          <a:p>
+            <a:r>
+              <a:rPr lang="zh-CN" altLang="en-US" sz="3600" dirty="0"/>
+              <a:t>如果必须在主线程之外执行操作，但只在用户与您的应用交互时执行此操作，则应创建新线程。</a:t>
+            </a:r>
+            <a:endParaRPr lang="en-US" altLang="zh-CN" sz="3600" dirty="0"/>
+          </a:p>
+          <a:p>
+            <a:pPr lvl="1"/>
+            <a:r>
+              <a:rPr lang="zh-CN" altLang="en-US" sz="3200" dirty="0"/>
+              <a:t>例如，如果只是想在 </a:t>
+            </a:r>
+            <a:r>
+              <a:rPr lang="en-US" altLang="zh-CN" sz="3200" dirty="0"/>
+              <a:t>Activity </a:t>
+            </a:r>
+            <a:r>
+              <a:rPr lang="zh-CN" altLang="en-US" sz="3200" dirty="0"/>
+              <a:t>运行的同时播放一些音乐，则可在 </a:t>
+            </a:r>
+            <a:r>
+              <a:rPr lang="en-US" altLang="zh-CN" sz="3200" dirty="0" err="1"/>
+              <a:t>onCreate</a:t>
+            </a:r>
+            <a:r>
+              <a:rPr lang="en-US" altLang="zh-CN" sz="3200" dirty="0"/>
+              <a:t>() </a:t>
+            </a:r>
+            <a:r>
+              <a:rPr lang="zh-CN" altLang="en-US" sz="3200" dirty="0"/>
+              <a:t>中创建线程，在 </a:t>
+            </a:r>
+            <a:r>
+              <a:rPr lang="en-US" altLang="zh-CN" sz="3200" dirty="0" err="1"/>
+              <a:t>onStart</a:t>
+            </a:r>
+            <a:r>
+              <a:rPr lang="en-US" altLang="zh-CN" sz="3200" dirty="0"/>
+              <a:t>() </a:t>
+            </a:r>
+            <a:r>
+              <a:rPr lang="zh-CN" altLang="en-US" sz="3200" dirty="0"/>
+              <a:t>中启动线程运行，然后在 </a:t>
+            </a:r>
+            <a:r>
+              <a:rPr lang="en-US" altLang="zh-CN" sz="3200" dirty="0" err="1"/>
+              <a:t>onStop</a:t>
+            </a:r>
+            <a:r>
+              <a:rPr lang="en-US" altLang="zh-CN" sz="3200" dirty="0"/>
+              <a:t>() </a:t>
+            </a:r>
+            <a:r>
+              <a:rPr lang="zh-CN" altLang="en-US" sz="3200" dirty="0"/>
+              <a:t>中停止线程。还可考虑使用 </a:t>
+            </a:r>
+            <a:r>
+              <a:rPr lang="en-US" altLang="zh-CN" sz="3200" dirty="0" err="1"/>
+              <a:t>AsyncTask</a:t>
+            </a:r>
+            <a:r>
+              <a:rPr lang="en-US" altLang="zh-CN" sz="3200" dirty="0"/>
+              <a:t> </a:t>
+            </a:r>
+            <a:r>
+              <a:rPr lang="zh-CN" altLang="en-US" sz="3200" dirty="0"/>
+              <a:t>或 </a:t>
+            </a:r>
+            <a:r>
+              <a:rPr lang="en-US" altLang="zh-CN" sz="3200" dirty="0" err="1"/>
+              <a:t>HandlerThread</a:t>
+            </a:r>
+            <a:r>
+              <a:rPr lang="zh-CN" altLang="en-US" sz="3200" dirty="0"/>
+              <a:t>。</a:t>
+            </a:r>
           </a:p>
         </p:txBody>
       </p:sp>
     </p:spTree>
     <p:extLst>
       <p:ext uri="{BB962C8B-B14F-4D97-AF65-F5344CB8AC3E}">
-        <p14:creationId xmlns:p14="http://schemas.microsoft.com/office/powerpoint/2010/main" val="2317282937"/>
+        <p14:creationId xmlns:p14="http://schemas.microsoft.com/office/powerpoint/2010/main" val="2731790898"/>
       </p:ext>
     </p:extLst>
   </p:cSld>
@@ -3897,7 +4215,7 @@
           <p:cNvPr id="2" name="标题 1">
             <a:extLst>
               <a:ext uri="{FF2B5EF4-FFF2-40B4-BE49-F238E27FC236}">
-                <a16:creationId xmlns:a16="http://schemas.microsoft.com/office/drawing/2014/main" id="{F9A6BA0F-8172-4259-A9EE-5258436B2062}"/>
+                <a16:creationId xmlns:a16="http://schemas.microsoft.com/office/drawing/2014/main" id="{BC980526-CF3E-46AA-B9E0-76BF22BEF539}"/>
               </a:ext>
             </a:extLst>
           </p:cNvPr>
@@ -3913,7 +4231,7 @@
           <a:bodyPr/>
           <a:lstStyle/>
           <a:p>
-            <a:endParaRPr lang="zh-CN" altLang="en-US"/>
+            <a:endParaRPr lang="zh-CN" altLang="en-US" dirty="0"/>
           </a:p>
         </p:txBody>
       </p:sp>
@@ -3922,7 +4240,7 @@
           <p:cNvPr id="3" name="内容占位符 2">
             <a:extLst>
               <a:ext uri="{FF2B5EF4-FFF2-40B4-BE49-F238E27FC236}">
-                <a16:creationId xmlns:a16="http://schemas.microsoft.com/office/drawing/2014/main" id="{6762942F-BD68-47C5-9E1A-A67FFD347D6B}"/>
+                <a16:creationId xmlns:a16="http://schemas.microsoft.com/office/drawing/2014/main" id="{EAF36253-E3A0-40A7-AFBA-A63CFB29BB5C}"/>
               </a:ext>
             </a:extLst>
           </p:cNvPr>
@@ -3935,17 +4253,34 @@
         </p:nvSpPr>
         <p:spPr/>
         <p:txBody>
-          <a:bodyPr/>
-          <a:lstStyle/>
-          <a:p>
-            <a:endParaRPr lang="zh-CN" altLang="en-US"/>
+          <a:bodyPr>
+            <a:normAutofit/>
+          </a:bodyPr>
+          <a:lstStyle/>
+          <a:p>
+            <a:r>
+              <a:rPr lang="zh-CN" altLang="en-US" sz="3600" dirty="0"/>
+              <a:t>请记住，如果确实要使用服务，则默认情况下，它仍</a:t>
+            </a:r>
+            <a:r>
+              <a:rPr lang="zh-CN" altLang="en-US" sz="3600" b="1" i="1" dirty="0">
+                <a:solidFill>
+                  <a:srgbClr val="FF0000"/>
+                </a:solidFill>
+              </a:rPr>
+              <a:t>会在应用的主线程中运行</a:t>
+            </a:r>
+            <a:r>
+              <a:rPr lang="zh-CN" altLang="en-US" sz="3600" dirty="0"/>
+              <a:t>，因此，如果服务执行的是密集型或阻止性操作，则您仍应在服务内创建新线程。</a:t>
+            </a:r>
           </a:p>
         </p:txBody>
       </p:sp>
     </p:spTree>
     <p:extLst>
       <p:ext uri="{BB962C8B-B14F-4D97-AF65-F5344CB8AC3E}">
-        <p14:creationId xmlns:p14="http://schemas.microsoft.com/office/powerpoint/2010/main" val="2731790898"/>
+        <p14:creationId xmlns:p14="http://schemas.microsoft.com/office/powerpoint/2010/main" val="1790619132"/>
       </p:ext>
     </p:extLst>
   </p:cSld>
